--- a/Himabindhu_CG_Resume.pptx
+++ b/Himabindhu_CG_Resume.pptx
@@ -230,7 +230,7 @@
             <a:fld id="{86C988DC-9DE3-4390-97AB-D61B85DACE57}" type="datetimeFigureOut">
               <a:rPr lang="pt-PT" sz="900" smtClean="0"/>
               <a:pPr/>
-              <a:t>14/03/2022</a:t>
+              <a:t>24/03/2022</a:t>
             </a:fld>
             <a:endParaRPr lang="pt-PT" sz="900"/>
           </a:p>
@@ -409,7 +409,7 @@
             <a:fld id="{0835B8F7-DAC4-4931-8AED-4356A8B2FD64}" type="datetimeFigureOut">
               <a:rPr lang="pt-BR" smtClean="0"/>
               <a:pPr/>
-              <a:t>14/03/2022</a:t>
+              <a:t>24/03/2022</a:t>
             </a:fld>
             <a:endParaRPr lang="pt-BR"/>
           </a:p>
@@ -2162,7 +2162,7 @@
           </p:cNvGraphicFramePr>
           <p:nvPr>
             <p:custDataLst>
-              <p:tags r:id="rId1"/>
+              <p:tags r:id="rId2"/>
             </p:custDataLst>
           </p:nvPr>
         </p:nvGraphicFramePr>
@@ -2174,12 +2174,12 @@
           <a:graphicData uri="http://schemas.openxmlformats.org/presentationml/2006/ole">
             <mc:AlternateContent xmlns:mc="http://schemas.openxmlformats.org/markup-compatibility/2006">
               <mc:Choice xmlns:v="urn:schemas-microsoft-com:vml" Requires="v">
-                <p:oleObj name="think-cell Slide" r:id="rId3" imgW="270" imgH="270" progId="TCLayout.ActiveDocument.1">
+                <p:oleObj spid="_x0000_s2053" name="think-cell Slide" r:id="rId4" imgW="270" imgH="270" progId="TCLayout.ActiveDocument.1">
                   <p:embed/>
                 </p:oleObj>
               </mc:Choice>
               <mc:Fallback>
-                <p:oleObj name="think-cell Slide" r:id="rId3" imgW="270" imgH="270" progId="TCLayout.ActiveDocument.1">
+                <p:oleObj name="think-cell Slide" r:id="rId4" imgW="270" imgH="270" progId="TCLayout.ActiveDocument.1">
                   <p:embed/>
                   <p:pic>
                     <p:nvPicPr>
@@ -2190,7 +2190,7 @@
                       <p:nvPr/>
                     </p:nvPicPr>
                     <p:blipFill>
-                      <a:blip r:embed="rId4">
+                      <a:blip r:embed="rId5">
                         <a:extLst>
                           <a:ext uri="{28A0092B-C50C-407E-A947-70E740481C1C}">
                             <a14:useLocalDpi xmlns:a14="http://schemas.microsoft.com/office/drawing/2010/main" val="0"/>
@@ -2631,7 +2631,7 @@
           </p:cNvGraphicFramePr>
           <p:nvPr>
             <p:custDataLst>
-              <p:tags r:id="rId1"/>
+              <p:tags r:id="rId2"/>
             </p:custDataLst>
           </p:nvPr>
         </p:nvGraphicFramePr>
@@ -2643,12 +2643,12 @@
           <a:graphicData uri="http://schemas.openxmlformats.org/presentationml/2006/ole">
             <mc:AlternateContent xmlns:mc="http://schemas.openxmlformats.org/markup-compatibility/2006">
               <mc:Choice xmlns:v="urn:schemas-microsoft-com:vml" Requires="v">
-                <p:oleObj name="think-cell Slide" r:id="rId3" imgW="270" imgH="270" progId="TCLayout.ActiveDocument.1">
+                <p:oleObj spid="_x0000_s3077" name="think-cell Slide" r:id="rId4" imgW="270" imgH="270" progId="TCLayout.ActiveDocument.1">
                   <p:embed/>
                 </p:oleObj>
               </mc:Choice>
               <mc:Fallback>
-                <p:oleObj name="think-cell Slide" r:id="rId3" imgW="270" imgH="270" progId="TCLayout.ActiveDocument.1">
+                <p:oleObj name="think-cell Slide" r:id="rId4" imgW="270" imgH="270" progId="TCLayout.ActiveDocument.1">
                   <p:embed/>
                   <p:pic>
                     <p:nvPicPr>
@@ -2659,7 +2659,7 @@
                       <p:nvPr/>
                     </p:nvPicPr>
                     <p:blipFill>
-                      <a:blip r:embed="rId4">
+                      <a:blip r:embed="rId5">
                         <a:extLst>
                           <a:ext uri="{28A0092B-C50C-407E-A947-70E740481C1C}">
                             <a14:useLocalDpi xmlns:a14="http://schemas.microsoft.com/office/drawing/2010/main" val="0"/>
@@ -5125,7 +5125,7 @@
           </p:cNvGraphicFramePr>
           <p:nvPr>
             <p:custDataLst>
-              <p:tags r:id="rId10"/>
+              <p:tags r:id="rId11"/>
             </p:custDataLst>
           </p:nvPr>
         </p:nvGraphicFramePr>
@@ -5137,12 +5137,12 @@
           <a:graphicData uri="http://schemas.openxmlformats.org/presentationml/2006/ole">
             <mc:AlternateContent xmlns:mc="http://schemas.openxmlformats.org/markup-compatibility/2006">
               <mc:Choice xmlns:v="urn:schemas-microsoft-com:vml" Requires="v">
-                <p:oleObj name="think-cell Slide" r:id="rId11" imgW="270" imgH="270" progId="TCLayout.ActiveDocument.1">
+                <p:oleObj spid="_x0000_s1029" name="think-cell Slide" r:id="rId12" imgW="270" imgH="270" progId="TCLayout.ActiveDocument.1">
                   <p:embed/>
                 </p:oleObj>
               </mc:Choice>
               <mc:Fallback>
-                <p:oleObj name="think-cell Slide" r:id="rId11" imgW="270" imgH="270" progId="TCLayout.ActiveDocument.1">
+                <p:oleObj name="think-cell Slide" r:id="rId12" imgW="270" imgH="270" progId="TCLayout.ActiveDocument.1">
                   <p:embed/>
                   <p:pic>
                     <p:nvPicPr>
@@ -5153,7 +5153,7 @@
                       <p:nvPr/>
                     </p:nvPicPr>
                     <p:blipFill>
-                      <a:blip r:embed="rId12">
+                      <a:blip r:embed="rId13">
                         <a:extLst>
                           <a:ext uri="{28A0092B-C50C-407E-A947-70E740481C1C}">
                             <a14:useLocalDpi xmlns:a14="http://schemas.microsoft.com/office/drawing/2010/main" val="0"/>
@@ -7735,6 +7735,7 @@
       <p:pic>
         <p:nvPicPr>
           <p:cNvPr id="7181" name="Picture 6" descr="Movie, play, video icon">
+            <a:hlinkClick r:id="rId5"/>
             <a:extLst>
               <a:ext uri="{FF2B5EF4-FFF2-40B4-BE49-F238E27FC236}">
                 <a16:creationId xmlns:a16="http://schemas.microsoft.com/office/drawing/2014/main" id="{568E79A1-196A-4599-9F1F-AD39B99F1222}"/>
@@ -7747,7 +7748,7 @@
           <p:nvPr/>
         </p:nvPicPr>
         <p:blipFill>
-          <a:blip r:embed="rId5">
+          <a:blip r:embed="rId6">
             <a:extLst>
               <a:ext uri="{28A0092B-C50C-407E-A947-70E740481C1C}">
                 <a14:useLocalDpi xmlns:a14="http://schemas.microsoft.com/office/drawing/2010/main" val="0"/>
@@ -7761,7 +7762,7 @@
         </p:blipFill>
         <p:spPr bwMode="auto">
           <a:xfrm>
-            <a:off x="3373874" y="6283419"/>
+            <a:off x="3328592" y="6283419"/>
             <a:ext cx="437805" cy="436336"/>
           </a:xfrm>
           <a:prstGeom prst="rect">
@@ -7795,7 +7796,7 @@
       <p:pic>
         <p:nvPicPr>
           <p:cNvPr id="7182" name="Picture 4" descr="Free icon download | Linkedin">
-            <a:hlinkClick r:id="rId6"/>
+            <a:hlinkClick r:id="rId7"/>
             <a:extLst>
               <a:ext uri="{FF2B5EF4-FFF2-40B4-BE49-F238E27FC236}">
                 <a16:creationId xmlns:a16="http://schemas.microsoft.com/office/drawing/2014/main" id="{89622B52-B834-40D0-9BA5-24EF14F2A61E}"/>
@@ -7808,7 +7809,7 @@
           <p:nvPr/>
         </p:nvPicPr>
         <p:blipFill>
-          <a:blip r:embed="rId7">
+          <a:blip r:embed="rId8">
             <a:extLst>
               <a:ext uri="{28A0092B-C50C-407E-A947-70E740481C1C}">
                 <a14:useLocalDpi xmlns:a14="http://schemas.microsoft.com/office/drawing/2010/main" val="0"/>
@@ -8097,14 +8098,14 @@
           </p:nvPr>
         </p:nvPicPr>
         <p:blipFill rotWithShape="1">
-          <a:blip r:embed="rId8">
+          <a:blip r:embed="rId9">
             <a:extLst>
               <a:ext uri="{28A0092B-C50C-407E-A947-70E740481C1C}">
                 <a14:useLocalDpi xmlns:a14="http://schemas.microsoft.com/office/drawing/2010/main" val="0"/>
               </a:ext>
             </a:extLst>
           </a:blip>
-          <a:srcRect l="163" t="16480" r="-163" b="35982"/>
+          <a:srcRect l="-341" t="6465" r="341" b="16385"/>
           <a:stretch/>
         </p:blipFill>
         <p:spPr>
@@ -8750,6 +8751,21 @@
 </file>
 
 <file path=customXml/item1.xml><?xml version="1.0" encoding="utf-8"?>
+<?mso-contentType ?>
+<FormTemplates xmlns="http://schemas.microsoft.com/sharepoint/v3/contenttype/forms">
+  <Display>DocumentLibraryForm</Display>
+  <Edit>DocumentLibraryForm</Edit>
+  <New>DocumentLibraryForm</New>
+</FormTemplates>
+</file>
+
+<file path=customXml/item2.xml><?xml version="1.0" encoding="utf-8"?>
+<p:properties xmlns:p="http://schemas.microsoft.com/office/2006/metadata/properties" xmlns:xsi="http://www.w3.org/2001/XMLSchema-instance" xmlns:pc="http://schemas.microsoft.com/office/infopath/2007/PartnerControls">
+  <documentManagement/>
+</p:properties>
+</file>
+
+<file path=customXml/item3.xml><?xml version="1.0" encoding="utf-8"?>
 <ct:contentTypeSchema xmlns:ct="http://schemas.microsoft.com/office/2006/metadata/contentType" xmlns:ma="http://schemas.microsoft.com/office/2006/metadata/properties/metaAttributes" ct:_="" ma:_="" ma:contentTypeName="Document" ma:contentTypeID="0x0101005002ACB8F81EC8489A4DF17045E90748" ma:contentTypeVersion="7" ma:contentTypeDescription="Create a new document." ma:contentTypeScope="" ma:versionID="14eca6baf0dc776edd3b59ffa3a025ba">
   <xsd:schema xmlns:xsd="http://www.w3.org/2001/XMLSchema" xmlns:xs="http://www.w3.org/2001/XMLSchema" xmlns:p="http://schemas.microsoft.com/office/2006/metadata/properties" xmlns:ns3="fd33c62d-2c11-46e7-88a2-e90fa986d9d0" xmlns:ns4="47da6acf-edf2-43bc-9595-f721a214a14e" targetNamespace="http://schemas.microsoft.com/office/2006/metadata/properties" ma:root="true" ma:fieldsID="5aa4caa8a8c18e5332c88e7cf95cf085" ns3:_="" ns4:_="">
     <xsd:import namespace="fd33c62d-2c11-46e7-88a2-e90fa986d9d0"/>
@@ -8934,22 +8950,32 @@
 </ct:contentTypeSchema>
 </file>
 
-<file path=customXml/item2.xml><?xml version="1.0" encoding="utf-8"?>
-<?mso-contentType ?>
-<FormTemplates xmlns="http://schemas.microsoft.com/sharepoint/v3/contenttype/forms">
-  <Display>DocumentLibraryForm</Display>
-  <Edit>DocumentLibraryForm</Edit>
-  <New>DocumentLibraryForm</New>
-</FormTemplates>
+<file path=customXml/itemProps1.xml><?xml version="1.0" encoding="utf-8"?>
+<ds:datastoreItem xmlns:ds="http://schemas.openxmlformats.org/officeDocument/2006/customXml" ds:itemID="{86B5E10D-1A37-4C30-B41B-C15D05619982}">
+  <ds:schemaRefs>
+    <ds:schemaRef ds:uri="http://schemas.microsoft.com/sharepoint/v3/contenttype/forms"/>
+  </ds:schemaRefs>
+</ds:datastoreItem>
 </file>
 
-<file path=customXml/item3.xml><?xml version="1.0" encoding="utf-8"?>
-<p:properties xmlns:p="http://schemas.microsoft.com/office/2006/metadata/properties" xmlns:xsi="http://www.w3.org/2001/XMLSchema-instance" xmlns:pc="http://schemas.microsoft.com/office/infopath/2007/PartnerControls">
-  <documentManagement/>
-</p:properties>
+<file path=customXml/itemProps2.xml><?xml version="1.0" encoding="utf-8"?>
+<ds:datastoreItem xmlns:ds="http://schemas.openxmlformats.org/officeDocument/2006/customXml" ds:itemID="{A2EFE742-3A8E-4E5A-B843-9354826E5980}">
+  <ds:schemaRefs>
+    <ds:schemaRef ds:uri="47da6acf-edf2-43bc-9595-f721a214a14e"/>
+    <ds:schemaRef ds:uri="http://purl.org/dc/dcmitype/"/>
+    <ds:schemaRef ds:uri="http://schemas.microsoft.com/office/infopath/2007/PartnerControls"/>
+    <ds:schemaRef ds:uri="http://schemas.microsoft.com/office/2006/documentManagement/types"/>
+    <ds:schemaRef ds:uri="fd33c62d-2c11-46e7-88a2-e90fa986d9d0"/>
+    <ds:schemaRef ds:uri="http://purl.org/dc/elements/1.1/"/>
+    <ds:schemaRef ds:uri="http://www.w3.org/XML/1998/namespace"/>
+    <ds:schemaRef ds:uri="http://schemas.openxmlformats.org/package/2006/metadata/core-properties"/>
+    <ds:schemaRef ds:uri="http://schemas.microsoft.com/office/2006/metadata/properties"/>
+    <ds:schemaRef ds:uri="http://purl.org/dc/terms/"/>
+  </ds:schemaRefs>
+</ds:datastoreItem>
 </file>
 
-<file path=customXml/itemProps1.xml><?xml version="1.0" encoding="utf-8"?>
+<file path=customXml/itemProps3.xml><?xml version="1.0" encoding="utf-8"?>
 <ds:datastoreItem xmlns:ds="http://schemas.openxmlformats.org/officeDocument/2006/customXml" ds:itemID="{E4D25D96-23E3-4774-8182-19BEEAF42C67}">
   <ds:schemaRefs>
     <ds:schemaRef ds:uri="http://schemas.microsoft.com/office/2006/metadata/contentType"/>
@@ -8966,29 +8992,4 @@
     <ds:schemaRef ds:uri="http://schemas.microsoft.com/internal/obd"/>
   </ds:schemaRefs>
 </ds:datastoreItem>
-</file>
-
-<file path=customXml/itemProps2.xml><?xml version="1.0" encoding="utf-8"?>
-<ds:datastoreItem xmlns:ds="http://schemas.openxmlformats.org/officeDocument/2006/customXml" ds:itemID="{86B5E10D-1A37-4C30-B41B-C15D05619982}">
-  <ds:schemaRefs>
-    <ds:schemaRef ds:uri="http://schemas.microsoft.com/sharepoint/v3/contenttype/forms"/>
-  </ds:schemaRefs>
-</ds:datastoreItem>
-</file>
-
-<file path=customXml/itemProps3.xml><?xml version="1.0" encoding="utf-8"?>
-<ds:datastoreItem xmlns:ds="http://schemas.openxmlformats.org/officeDocument/2006/customXml" ds:itemID="{A2EFE742-3A8E-4E5A-B843-9354826E5980}">
-  <ds:schemaRefs>
-    <ds:schemaRef ds:uri="47da6acf-edf2-43bc-9595-f721a214a14e"/>
-    <ds:schemaRef ds:uri="http://purl.org/dc/dcmitype/"/>
-    <ds:schemaRef ds:uri="http://schemas.microsoft.com/office/infopath/2007/PartnerControls"/>
-    <ds:schemaRef ds:uri="http://schemas.microsoft.com/office/2006/documentManagement/types"/>
-    <ds:schemaRef ds:uri="fd33c62d-2c11-46e7-88a2-e90fa986d9d0"/>
-    <ds:schemaRef ds:uri="http://purl.org/dc/elements/1.1/"/>
-    <ds:schemaRef ds:uri="http://www.w3.org/XML/1998/namespace"/>
-    <ds:schemaRef ds:uri="http://schemas.openxmlformats.org/package/2006/metadata/core-properties"/>
-    <ds:schemaRef ds:uri="http://schemas.microsoft.com/office/2006/metadata/properties"/>
-    <ds:schemaRef ds:uri="http://purl.org/dc/terms/"/>
-  </ds:schemaRefs>
-</ds:datastoreItem>
 </file>